--- a/3개월차/Teacher/Day30/충돌체크_Circle.pptx
+++ b/3개월차/Teacher/Day30/충돌체크_Circle.pptx
@@ -105,6 +105,11 @@
       </a:defRPr>
     </a:lvl9pPr>
   </p:defaultTextStyle>
+  <p:extLst>
+    <p:ext uri="{EFAFB233-063F-42B5-8137-9DF3F51BA10A}">
+      <p15:sldGuideLst xmlns:p15="http://schemas.microsoft.com/office/powerpoint/2012/main"/>
+    </p:ext>
+  </p:extLst>
 </p:presentation>
 </file>
 
@@ -150,10 +155,9 @@
           </a:lstStyle>
           <a:p>
             <a:r>
-              <a:rPr lang="ko-KR" altLang="en-US" smtClean="0"/>
+              <a:rPr lang="ko-KR" altLang="en-US"/>
               <a:t>마스터 제목 스타일 편집</a:t>
             </a:r>
-            <a:endParaRPr lang="ko-KR" altLang="en-US"/>
           </a:p>
         </p:txBody>
       </p:sp>
@@ -215,10 +219,9 @@
           </a:lstStyle>
           <a:p>
             <a:r>
-              <a:rPr lang="ko-KR" altLang="en-US" smtClean="0"/>
+              <a:rPr lang="ko-KR" altLang="en-US"/>
               <a:t>클릭하여 마스터 부제목 스타일 편집</a:t>
             </a:r>
-            <a:endParaRPr lang="ko-KR" altLang="en-US"/>
           </a:p>
         </p:txBody>
       </p:sp>
@@ -239,7 +242,7 @@
           <a:p>
             <a:fld id="{5231000C-83DB-47F6-AA3E-0EE1DCFCFD7F}" type="datetimeFigureOut">
               <a:rPr lang="ko-KR" altLang="en-US" smtClean="0"/>
-              <a:t>2024-05-07</a:t>
+              <a:t>07-12(Fri)</a:t>
             </a:fld>
             <a:endParaRPr lang="ko-KR" altLang="en-US"/>
           </a:p>
@@ -333,10 +336,9 @@
           <a:lstStyle/>
           <a:p>
             <a:r>
-              <a:rPr lang="ko-KR" altLang="en-US" smtClean="0"/>
+              <a:rPr lang="ko-KR" altLang="en-US"/>
               <a:t>마스터 제목 스타일 편집</a:t>
             </a:r>
-            <a:endParaRPr lang="ko-KR" altLang="en-US"/>
           </a:p>
         </p:txBody>
       </p:sp>
@@ -357,38 +359,37 @@
           <a:p>
             <a:pPr lvl="0"/>
             <a:r>
-              <a:rPr lang="ko-KR" altLang="en-US" smtClean="0"/>
+              <a:rPr lang="ko-KR" altLang="en-US"/>
               <a:t>마스터 텍스트 스타일 편집</a:t>
             </a:r>
           </a:p>
           <a:p>
             <a:pPr lvl="1"/>
             <a:r>
-              <a:rPr lang="ko-KR" altLang="en-US" smtClean="0"/>
+              <a:rPr lang="ko-KR" altLang="en-US"/>
               <a:t>둘째 수준</a:t>
             </a:r>
           </a:p>
           <a:p>
             <a:pPr lvl="2"/>
             <a:r>
-              <a:rPr lang="ko-KR" altLang="en-US" smtClean="0"/>
+              <a:rPr lang="ko-KR" altLang="en-US"/>
               <a:t>셋째 수준</a:t>
             </a:r>
           </a:p>
           <a:p>
             <a:pPr lvl="3"/>
             <a:r>
-              <a:rPr lang="ko-KR" altLang="en-US" smtClean="0"/>
+              <a:rPr lang="ko-KR" altLang="en-US"/>
               <a:t>넷째 수준</a:t>
             </a:r>
           </a:p>
           <a:p>
             <a:pPr lvl="4"/>
             <a:r>
-              <a:rPr lang="ko-KR" altLang="en-US" smtClean="0"/>
+              <a:rPr lang="ko-KR" altLang="en-US"/>
               <a:t>다섯째 수준</a:t>
             </a:r>
-            <a:endParaRPr lang="ko-KR" altLang="en-US"/>
           </a:p>
         </p:txBody>
       </p:sp>
@@ -409,7 +410,7 @@
           <a:p>
             <a:fld id="{5231000C-83DB-47F6-AA3E-0EE1DCFCFD7F}" type="datetimeFigureOut">
               <a:rPr lang="ko-KR" altLang="en-US" smtClean="0"/>
-              <a:t>2024-05-07</a:t>
+              <a:t>07-12(Fri)</a:t>
             </a:fld>
             <a:endParaRPr lang="ko-KR" altLang="en-US"/>
           </a:p>
@@ -508,10 +509,9 @@
           <a:lstStyle/>
           <a:p>
             <a:r>
-              <a:rPr lang="ko-KR" altLang="en-US" smtClean="0"/>
+              <a:rPr lang="ko-KR" altLang="en-US"/>
               <a:t>마스터 제목 스타일 편집</a:t>
             </a:r>
-            <a:endParaRPr lang="ko-KR" altLang="en-US"/>
           </a:p>
         </p:txBody>
       </p:sp>
@@ -537,38 +537,37 @@
           <a:p>
             <a:pPr lvl="0"/>
             <a:r>
-              <a:rPr lang="ko-KR" altLang="en-US" smtClean="0"/>
+              <a:rPr lang="ko-KR" altLang="en-US"/>
               <a:t>마스터 텍스트 스타일 편집</a:t>
             </a:r>
           </a:p>
           <a:p>
             <a:pPr lvl="1"/>
             <a:r>
-              <a:rPr lang="ko-KR" altLang="en-US" smtClean="0"/>
+              <a:rPr lang="ko-KR" altLang="en-US"/>
               <a:t>둘째 수준</a:t>
             </a:r>
           </a:p>
           <a:p>
             <a:pPr lvl="2"/>
             <a:r>
-              <a:rPr lang="ko-KR" altLang="en-US" smtClean="0"/>
+              <a:rPr lang="ko-KR" altLang="en-US"/>
               <a:t>셋째 수준</a:t>
             </a:r>
           </a:p>
           <a:p>
             <a:pPr lvl="3"/>
             <a:r>
-              <a:rPr lang="ko-KR" altLang="en-US" smtClean="0"/>
+              <a:rPr lang="ko-KR" altLang="en-US"/>
               <a:t>넷째 수준</a:t>
             </a:r>
           </a:p>
           <a:p>
             <a:pPr lvl="4"/>
             <a:r>
-              <a:rPr lang="ko-KR" altLang="en-US" smtClean="0"/>
+              <a:rPr lang="ko-KR" altLang="en-US"/>
               <a:t>다섯째 수준</a:t>
             </a:r>
-            <a:endParaRPr lang="ko-KR" altLang="en-US"/>
           </a:p>
         </p:txBody>
       </p:sp>
@@ -589,7 +588,7 @@
           <a:p>
             <a:fld id="{5231000C-83DB-47F6-AA3E-0EE1DCFCFD7F}" type="datetimeFigureOut">
               <a:rPr lang="ko-KR" altLang="en-US" smtClean="0"/>
-              <a:t>2024-05-07</a:t>
+              <a:t>07-12(Fri)</a:t>
             </a:fld>
             <a:endParaRPr lang="ko-KR" altLang="en-US"/>
           </a:p>
@@ -683,10 +682,9 @@
           <a:lstStyle/>
           <a:p>
             <a:r>
-              <a:rPr lang="ko-KR" altLang="en-US" smtClean="0"/>
+              <a:rPr lang="ko-KR" altLang="en-US"/>
               <a:t>마스터 제목 스타일 편집</a:t>
             </a:r>
-            <a:endParaRPr lang="ko-KR" altLang="en-US"/>
           </a:p>
         </p:txBody>
       </p:sp>
@@ -707,38 +705,37 @@
           <a:p>
             <a:pPr lvl="0"/>
             <a:r>
-              <a:rPr lang="ko-KR" altLang="en-US" smtClean="0"/>
+              <a:rPr lang="ko-KR" altLang="en-US"/>
               <a:t>마스터 텍스트 스타일 편집</a:t>
             </a:r>
           </a:p>
           <a:p>
             <a:pPr lvl="1"/>
             <a:r>
-              <a:rPr lang="ko-KR" altLang="en-US" smtClean="0"/>
+              <a:rPr lang="ko-KR" altLang="en-US"/>
               <a:t>둘째 수준</a:t>
             </a:r>
           </a:p>
           <a:p>
             <a:pPr lvl="2"/>
             <a:r>
-              <a:rPr lang="ko-KR" altLang="en-US" smtClean="0"/>
+              <a:rPr lang="ko-KR" altLang="en-US"/>
               <a:t>셋째 수준</a:t>
             </a:r>
           </a:p>
           <a:p>
             <a:pPr lvl="3"/>
             <a:r>
-              <a:rPr lang="ko-KR" altLang="en-US" smtClean="0"/>
+              <a:rPr lang="ko-KR" altLang="en-US"/>
               <a:t>넷째 수준</a:t>
             </a:r>
           </a:p>
           <a:p>
             <a:pPr lvl="4"/>
             <a:r>
-              <a:rPr lang="ko-KR" altLang="en-US" smtClean="0"/>
+              <a:rPr lang="ko-KR" altLang="en-US"/>
               <a:t>다섯째 수준</a:t>
             </a:r>
-            <a:endParaRPr lang="ko-KR" altLang="en-US"/>
           </a:p>
         </p:txBody>
       </p:sp>
@@ -759,7 +756,7 @@
           <a:p>
             <a:fld id="{5231000C-83DB-47F6-AA3E-0EE1DCFCFD7F}" type="datetimeFigureOut">
               <a:rPr lang="ko-KR" altLang="en-US" smtClean="0"/>
-              <a:t>2024-05-07</a:t>
+              <a:t>07-12(Fri)</a:t>
             </a:fld>
             <a:endParaRPr lang="ko-KR" altLang="en-US"/>
           </a:p>
@@ -862,10 +859,9 @@
           </a:lstStyle>
           <a:p>
             <a:r>
-              <a:rPr lang="ko-KR" altLang="en-US" smtClean="0"/>
+              <a:rPr lang="ko-KR" altLang="en-US"/>
               <a:t>마스터 제목 스타일 편집</a:t>
             </a:r>
-            <a:endParaRPr lang="ko-KR" altLang="en-US"/>
           </a:p>
         </p:txBody>
       </p:sp>
@@ -982,7 +978,7 @@
           <a:p>
             <a:pPr lvl="0"/>
             <a:r>
-              <a:rPr lang="ko-KR" altLang="en-US" smtClean="0"/>
+              <a:rPr lang="ko-KR" altLang="en-US"/>
               <a:t>마스터 텍스트 스타일 편집</a:t>
             </a:r>
           </a:p>
@@ -1005,7 +1001,7 @@
           <a:p>
             <a:fld id="{5231000C-83DB-47F6-AA3E-0EE1DCFCFD7F}" type="datetimeFigureOut">
               <a:rPr lang="ko-KR" altLang="en-US" smtClean="0"/>
-              <a:t>2024-05-07</a:t>
+              <a:t>07-12(Fri)</a:t>
             </a:fld>
             <a:endParaRPr lang="ko-KR" altLang="en-US"/>
           </a:p>
@@ -1099,10 +1095,9 @@
           <a:lstStyle/>
           <a:p>
             <a:r>
-              <a:rPr lang="ko-KR" altLang="en-US" smtClean="0"/>
+              <a:rPr lang="ko-KR" altLang="en-US"/>
               <a:t>마스터 제목 스타일 편집</a:t>
             </a:r>
-            <a:endParaRPr lang="ko-KR" altLang="en-US"/>
           </a:p>
         </p:txBody>
       </p:sp>
@@ -1128,38 +1123,37 @@
           <a:p>
             <a:pPr lvl="0"/>
             <a:r>
-              <a:rPr lang="ko-KR" altLang="en-US" smtClean="0"/>
+              <a:rPr lang="ko-KR" altLang="en-US"/>
               <a:t>마스터 텍스트 스타일 편집</a:t>
             </a:r>
           </a:p>
           <a:p>
             <a:pPr lvl="1"/>
             <a:r>
-              <a:rPr lang="ko-KR" altLang="en-US" smtClean="0"/>
+              <a:rPr lang="ko-KR" altLang="en-US"/>
               <a:t>둘째 수준</a:t>
             </a:r>
           </a:p>
           <a:p>
             <a:pPr lvl="2"/>
             <a:r>
-              <a:rPr lang="ko-KR" altLang="en-US" smtClean="0"/>
+              <a:rPr lang="ko-KR" altLang="en-US"/>
               <a:t>셋째 수준</a:t>
             </a:r>
           </a:p>
           <a:p>
             <a:pPr lvl="3"/>
             <a:r>
-              <a:rPr lang="ko-KR" altLang="en-US" smtClean="0"/>
+              <a:rPr lang="ko-KR" altLang="en-US"/>
               <a:t>넷째 수준</a:t>
             </a:r>
           </a:p>
           <a:p>
             <a:pPr lvl="4"/>
             <a:r>
-              <a:rPr lang="ko-KR" altLang="en-US" smtClean="0"/>
+              <a:rPr lang="ko-KR" altLang="en-US"/>
               <a:t>다섯째 수준</a:t>
             </a:r>
-            <a:endParaRPr lang="ko-KR" altLang="en-US"/>
           </a:p>
         </p:txBody>
       </p:sp>
@@ -1185,38 +1179,37 @@
           <a:p>
             <a:pPr lvl="0"/>
             <a:r>
-              <a:rPr lang="ko-KR" altLang="en-US" smtClean="0"/>
+              <a:rPr lang="ko-KR" altLang="en-US"/>
               <a:t>마스터 텍스트 스타일 편집</a:t>
             </a:r>
           </a:p>
           <a:p>
             <a:pPr lvl="1"/>
             <a:r>
-              <a:rPr lang="ko-KR" altLang="en-US" smtClean="0"/>
+              <a:rPr lang="ko-KR" altLang="en-US"/>
               <a:t>둘째 수준</a:t>
             </a:r>
           </a:p>
           <a:p>
             <a:pPr lvl="2"/>
             <a:r>
-              <a:rPr lang="ko-KR" altLang="en-US" smtClean="0"/>
+              <a:rPr lang="ko-KR" altLang="en-US"/>
               <a:t>셋째 수준</a:t>
             </a:r>
           </a:p>
           <a:p>
             <a:pPr lvl="3"/>
             <a:r>
-              <a:rPr lang="ko-KR" altLang="en-US" smtClean="0"/>
+              <a:rPr lang="ko-KR" altLang="en-US"/>
               <a:t>넷째 수준</a:t>
             </a:r>
           </a:p>
           <a:p>
             <a:pPr lvl="4"/>
             <a:r>
-              <a:rPr lang="ko-KR" altLang="en-US" smtClean="0"/>
+              <a:rPr lang="ko-KR" altLang="en-US"/>
               <a:t>다섯째 수준</a:t>
             </a:r>
-            <a:endParaRPr lang="ko-KR" altLang="en-US"/>
           </a:p>
         </p:txBody>
       </p:sp>
@@ -1237,7 +1230,7 @@
           <a:p>
             <a:fld id="{5231000C-83DB-47F6-AA3E-0EE1DCFCFD7F}" type="datetimeFigureOut">
               <a:rPr lang="ko-KR" altLang="en-US" smtClean="0"/>
-              <a:t>2024-05-07</a:t>
+              <a:t>07-12(Fri)</a:t>
             </a:fld>
             <a:endParaRPr lang="ko-KR" altLang="en-US"/>
           </a:p>
@@ -1336,10 +1329,9 @@
           <a:lstStyle/>
           <a:p>
             <a:r>
-              <a:rPr lang="ko-KR" altLang="en-US" smtClean="0"/>
+              <a:rPr lang="ko-KR" altLang="en-US"/>
               <a:t>마스터 제목 스타일 편집</a:t>
             </a:r>
-            <a:endParaRPr lang="ko-KR" altLang="en-US"/>
           </a:p>
         </p:txBody>
       </p:sp>
@@ -1402,7 +1394,7 @@
           <a:p>
             <a:pPr lvl="0"/>
             <a:r>
-              <a:rPr lang="ko-KR" altLang="en-US" smtClean="0"/>
+              <a:rPr lang="ko-KR" altLang="en-US"/>
               <a:t>마스터 텍스트 스타일 편집</a:t>
             </a:r>
           </a:p>
@@ -1430,38 +1422,37 @@
           <a:p>
             <a:pPr lvl="0"/>
             <a:r>
-              <a:rPr lang="ko-KR" altLang="en-US" smtClean="0"/>
+              <a:rPr lang="ko-KR" altLang="en-US"/>
               <a:t>마스터 텍스트 스타일 편집</a:t>
             </a:r>
           </a:p>
           <a:p>
             <a:pPr lvl="1"/>
             <a:r>
-              <a:rPr lang="ko-KR" altLang="en-US" smtClean="0"/>
+              <a:rPr lang="ko-KR" altLang="en-US"/>
               <a:t>둘째 수준</a:t>
             </a:r>
           </a:p>
           <a:p>
             <a:pPr lvl="2"/>
             <a:r>
-              <a:rPr lang="ko-KR" altLang="en-US" smtClean="0"/>
+              <a:rPr lang="ko-KR" altLang="en-US"/>
               <a:t>셋째 수준</a:t>
             </a:r>
           </a:p>
           <a:p>
             <a:pPr lvl="3"/>
             <a:r>
-              <a:rPr lang="ko-KR" altLang="en-US" smtClean="0"/>
+              <a:rPr lang="ko-KR" altLang="en-US"/>
               <a:t>넷째 수준</a:t>
             </a:r>
           </a:p>
           <a:p>
             <a:pPr lvl="4"/>
             <a:r>
-              <a:rPr lang="ko-KR" altLang="en-US" smtClean="0"/>
+              <a:rPr lang="ko-KR" altLang="en-US"/>
               <a:t>다섯째 수준</a:t>
             </a:r>
-            <a:endParaRPr lang="ko-KR" altLang="en-US"/>
           </a:p>
         </p:txBody>
       </p:sp>
@@ -1524,7 +1515,7 @@
           <a:p>
             <a:pPr lvl="0"/>
             <a:r>
-              <a:rPr lang="ko-KR" altLang="en-US" smtClean="0"/>
+              <a:rPr lang="ko-KR" altLang="en-US"/>
               <a:t>마스터 텍스트 스타일 편집</a:t>
             </a:r>
           </a:p>
@@ -1552,38 +1543,37 @@
           <a:p>
             <a:pPr lvl="0"/>
             <a:r>
-              <a:rPr lang="ko-KR" altLang="en-US" smtClean="0"/>
+              <a:rPr lang="ko-KR" altLang="en-US"/>
               <a:t>마스터 텍스트 스타일 편집</a:t>
             </a:r>
           </a:p>
           <a:p>
             <a:pPr lvl="1"/>
             <a:r>
-              <a:rPr lang="ko-KR" altLang="en-US" smtClean="0"/>
+              <a:rPr lang="ko-KR" altLang="en-US"/>
               <a:t>둘째 수준</a:t>
             </a:r>
           </a:p>
           <a:p>
             <a:pPr lvl="2"/>
             <a:r>
-              <a:rPr lang="ko-KR" altLang="en-US" smtClean="0"/>
+              <a:rPr lang="ko-KR" altLang="en-US"/>
               <a:t>셋째 수준</a:t>
             </a:r>
           </a:p>
           <a:p>
             <a:pPr lvl="3"/>
             <a:r>
-              <a:rPr lang="ko-KR" altLang="en-US" smtClean="0"/>
+              <a:rPr lang="ko-KR" altLang="en-US"/>
               <a:t>넷째 수준</a:t>
             </a:r>
           </a:p>
           <a:p>
             <a:pPr lvl="4"/>
             <a:r>
-              <a:rPr lang="ko-KR" altLang="en-US" smtClean="0"/>
+              <a:rPr lang="ko-KR" altLang="en-US"/>
               <a:t>다섯째 수준</a:t>
             </a:r>
-            <a:endParaRPr lang="ko-KR" altLang="en-US"/>
           </a:p>
         </p:txBody>
       </p:sp>
@@ -1604,7 +1594,7 @@
           <a:p>
             <a:fld id="{5231000C-83DB-47F6-AA3E-0EE1DCFCFD7F}" type="datetimeFigureOut">
               <a:rPr lang="ko-KR" altLang="en-US" smtClean="0"/>
-              <a:t>2024-05-07</a:t>
+              <a:t>07-12(Fri)</a:t>
             </a:fld>
             <a:endParaRPr lang="ko-KR" altLang="en-US"/>
           </a:p>
@@ -1698,10 +1688,9 @@
           <a:lstStyle/>
           <a:p>
             <a:r>
-              <a:rPr lang="ko-KR" altLang="en-US" smtClean="0"/>
+              <a:rPr lang="ko-KR" altLang="en-US"/>
               <a:t>마스터 제목 스타일 편집</a:t>
             </a:r>
-            <a:endParaRPr lang="ko-KR" altLang="en-US"/>
           </a:p>
         </p:txBody>
       </p:sp>
@@ -1722,7 +1711,7 @@
           <a:p>
             <a:fld id="{5231000C-83DB-47F6-AA3E-0EE1DCFCFD7F}" type="datetimeFigureOut">
               <a:rPr lang="ko-KR" altLang="en-US" smtClean="0"/>
-              <a:t>2024-05-07</a:t>
+              <a:t>07-12(Fri)</a:t>
             </a:fld>
             <a:endParaRPr lang="ko-KR" altLang="en-US"/>
           </a:p>
@@ -1817,7 +1806,7 @@
           <a:p>
             <a:fld id="{5231000C-83DB-47F6-AA3E-0EE1DCFCFD7F}" type="datetimeFigureOut">
               <a:rPr lang="ko-KR" altLang="en-US" smtClean="0"/>
-              <a:t>2024-05-07</a:t>
+              <a:t>07-12(Fri)</a:t>
             </a:fld>
             <a:endParaRPr lang="ko-KR" altLang="en-US"/>
           </a:p>
@@ -1920,10 +1909,9 @@
           </a:lstStyle>
           <a:p>
             <a:r>
-              <a:rPr lang="ko-KR" altLang="en-US" smtClean="0"/>
+              <a:rPr lang="ko-KR" altLang="en-US"/>
               <a:t>마스터 제목 스타일 편집</a:t>
             </a:r>
-            <a:endParaRPr lang="ko-KR" altLang="en-US"/>
           </a:p>
         </p:txBody>
       </p:sp>
@@ -1977,38 +1965,37 @@
           <a:p>
             <a:pPr lvl="0"/>
             <a:r>
-              <a:rPr lang="ko-KR" altLang="en-US" smtClean="0"/>
+              <a:rPr lang="ko-KR" altLang="en-US"/>
               <a:t>마스터 텍스트 스타일 편집</a:t>
             </a:r>
           </a:p>
           <a:p>
             <a:pPr lvl="1"/>
             <a:r>
-              <a:rPr lang="ko-KR" altLang="en-US" smtClean="0"/>
+              <a:rPr lang="ko-KR" altLang="en-US"/>
               <a:t>둘째 수준</a:t>
             </a:r>
           </a:p>
           <a:p>
             <a:pPr lvl="2"/>
             <a:r>
-              <a:rPr lang="ko-KR" altLang="en-US" smtClean="0"/>
+              <a:rPr lang="ko-KR" altLang="en-US"/>
               <a:t>셋째 수준</a:t>
             </a:r>
           </a:p>
           <a:p>
             <a:pPr lvl="3"/>
             <a:r>
-              <a:rPr lang="ko-KR" altLang="en-US" smtClean="0"/>
+              <a:rPr lang="ko-KR" altLang="en-US"/>
               <a:t>넷째 수준</a:t>
             </a:r>
           </a:p>
           <a:p>
             <a:pPr lvl="4"/>
             <a:r>
-              <a:rPr lang="ko-KR" altLang="en-US" smtClean="0"/>
+              <a:rPr lang="ko-KR" altLang="en-US"/>
               <a:t>다섯째 수준</a:t>
             </a:r>
-            <a:endParaRPr lang="ko-KR" altLang="en-US"/>
           </a:p>
         </p:txBody>
       </p:sp>
@@ -2071,7 +2058,7 @@
           <a:p>
             <a:pPr lvl="0"/>
             <a:r>
-              <a:rPr lang="ko-KR" altLang="en-US" smtClean="0"/>
+              <a:rPr lang="ko-KR" altLang="en-US"/>
               <a:t>마스터 텍스트 스타일 편집</a:t>
             </a:r>
           </a:p>
@@ -2094,7 +2081,7 @@
           <a:p>
             <a:fld id="{5231000C-83DB-47F6-AA3E-0EE1DCFCFD7F}" type="datetimeFigureOut">
               <a:rPr lang="ko-KR" altLang="en-US" smtClean="0"/>
-              <a:t>2024-05-07</a:t>
+              <a:t>07-12(Fri)</a:t>
             </a:fld>
             <a:endParaRPr lang="ko-KR" altLang="en-US"/>
           </a:p>
@@ -2197,10 +2184,9 @@
           </a:lstStyle>
           <a:p>
             <a:r>
-              <a:rPr lang="ko-KR" altLang="en-US" smtClean="0"/>
+              <a:rPr lang="ko-KR" altLang="en-US"/>
               <a:t>마스터 제목 스타일 편집</a:t>
             </a:r>
-            <a:endParaRPr lang="ko-KR" altLang="en-US"/>
           </a:p>
         </p:txBody>
       </p:sp>
@@ -2324,7 +2310,7 @@
           <a:p>
             <a:pPr lvl="0"/>
             <a:r>
-              <a:rPr lang="ko-KR" altLang="en-US" smtClean="0"/>
+              <a:rPr lang="ko-KR" altLang="en-US"/>
               <a:t>마스터 텍스트 스타일 편집</a:t>
             </a:r>
           </a:p>
@@ -2347,7 +2333,7 @@
           <a:p>
             <a:fld id="{5231000C-83DB-47F6-AA3E-0EE1DCFCFD7F}" type="datetimeFigureOut">
               <a:rPr lang="ko-KR" altLang="en-US" smtClean="0"/>
-              <a:t>2024-05-07</a:t>
+              <a:t>07-12(Fri)</a:t>
             </a:fld>
             <a:endParaRPr lang="ko-KR" altLang="en-US"/>
           </a:p>
@@ -2456,10 +2442,9 @@
           <a:lstStyle/>
           <a:p>
             <a:r>
-              <a:rPr lang="ko-KR" altLang="en-US" smtClean="0"/>
+              <a:rPr lang="ko-KR" altLang="en-US"/>
               <a:t>마스터 제목 스타일 편집</a:t>
             </a:r>
-            <a:endParaRPr lang="ko-KR" altLang="en-US"/>
           </a:p>
         </p:txBody>
       </p:sp>
@@ -2490,38 +2475,37 @@
           <a:p>
             <a:pPr lvl="0"/>
             <a:r>
-              <a:rPr lang="ko-KR" altLang="en-US" smtClean="0"/>
+              <a:rPr lang="ko-KR" altLang="en-US"/>
               <a:t>마스터 텍스트 스타일 편집</a:t>
             </a:r>
           </a:p>
           <a:p>
             <a:pPr lvl="1"/>
             <a:r>
-              <a:rPr lang="ko-KR" altLang="en-US" smtClean="0"/>
+              <a:rPr lang="ko-KR" altLang="en-US"/>
               <a:t>둘째 수준</a:t>
             </a:r>
           </a:p>
           <a:p>
             <a:pPr lvl="2"/>
             <a:r>
-              <a:rPr lang="ko-KR" altLang="en-US" smtClean="0"/>
+              <a:rPr lang="ko-KR" altLang="en-US"/>
               <a:t>셋째 수준</a:t>
             </a:r>
           </a:p>
           <a:p>
             <a:pPr lvl="3"/>
             <a:r>
-              <a:rPr lang="ko-KR" altLang="en-US" smtClean="0"/>
+              <a:rPr lang="ko-KR" altLang="en-US"/>
               <a:t>넷째 수준</a:t>
             </a:r>
           </a:p>
           <a:p>
             <a:pPr lvl="4"/>
             <a:r>
-              <a:rPr lang="ko-KR" altLang="en-US" smtClean="0"/>
+              <a:rPr lang="ko-KR" altLang="en-US"/>
               <a:t>다섯째 수준</a:t>
             </a:r>
-            <a:endParaRPr lang="ko-KR" altLang="en-US"/>
           </a:p>
         </p:txBody>
       </p:sp>
@@ -2560,7 +2544,7 @@
           <a:p>
             <a:fld id="{5231000C-83DB-47F6-AA3E-0EE1DCFCFD7F}" type="datetimeFigureOut">
               <a:rPr lang="ko-KR" altLang="en-US" smtClean="0"/>
-              <a:t>2024-05-07</a:t>
+              <a:t>07-12(Fri)</a:t>
             </a:fld>
             <a:endParaRPr lang="ko-KR" altLang="en-US"/>
           </a:p>
@@ -4040,7 +4024,7 @@
           <a:lstStyle/>
           <a:p>
             <a:r>
-              <a:rPr lang="en-US" altLang="ko-KR" dirty="0" smtClean="0"/>
+              <a:rPr lang="en-US" altLang="ko-KR" dirty="0"/>
               <a:t>-</a:t>
             </a:r>
             <a:endParaRPr lang="ko-KR" altLang="en-US" dirty="0"/>
@@ -4070,14 +4054,13 @@
           <a:lstStyle/>
           <a:p>
             <a:r>
-              <a:rPr lang="en-US" altLang="ko-KR" dirty="0" smtClean="0"/>
+              <a:rPr lang="en-US" altLang="ko-KR" dirty="0"/>
               <a:t>&gt; </a:t>
             </a:r>
             <a:r>
-              <a:rPr lang="ko-KR" altLang="en-US" dirty="0" smtClean="0"/>
+              <a:rPr lang="ko-KR" altLang="en-US" dirty="0"/>
               <a:t>반지름</a:t>
             </a:r>
-            <a:endParaRPr lang="ko-KR" altLang="en-US" dirty="0"/>
           </a:p>
         </p:txBody>
       </p:sp>
@@ -4104,22 +4087,21 @@
           <a:lstStyle/>
           <a:p>
             <a:r>
-              <a:rPr lang="ko-KR" altLang="en-US" dirty="0" err="1" smtClean="0"/>
+              <a:rPr lang="ko-KR" altLang="en-US" dirty="0" err="1"/>
               <a:t>중심사이의</a:t>
             </a:r>
             <a:r>
-              <a:rPr lang="ko-KR" altLang="en-US" dirty="0" smtClean="0"/>
+              <a:rPr lang="ko-KR" altLang="en-US" dirty="0"/>
               <a:t> 거리 </a:t>
             </a:r>
             <a:r>
-              <a:rPr lang="en-US" altLang="ko-KR" dirty="0" smtClean="0"/>
+              <a:rPr lang="en-US" altLang="ko-KR" dirty="0"/>
               <a:t>(x)</a:t>
             </a:r>
             <a:r>
-              <a:rPr lang="ko-KR" altLang="en-US" dirty="0" smtClean="0"/>
+              <a:rPr lang="ko-KR" altLang="en-US" dirty="0"/>
               <a:t> </a:t>
             </a:r>
-            <a:endParaRPr lang="ko-KR" altLang="en-US" dirty="0"/>
           </a:p>
         </p:txBody>
       </p:sp>
@@ -4146,18 +4128,17 @@
           <a:lstStyle/>
           <a:p>
             <a:r>
-              <a:rPr lang="ko-KR" altLang="en-US" dirty="0" smtClean="0"/>
+              <a:rPr lang="ko-KR" altLang="en-US" dirty="0"/>
               <a:t>사각형의 </a:t>
             </a:r>
             <a:r>
-              <a:rPr lang="ko-KR" altLang="en-US" dirty="0" err="1" smtClean="0"/>
+              <a:rPr lang="ko-KR" altLang="en-US" dirty="0" err="1"/>
               <a:t>가로길이</a:t>
             </a:r>
             <a:r>
-              <a:rPr lang="ko-KR" altLang="en-US" dirty="0" smtClean="0"/>
+              <a:rPr lang="ko-KR" altLang="en-US" dirty="0"/>
               <a:t> 절반</a:t>
             </a:r>
-            <a:endParaRPr lang="ko-KR" altLang="en-US" dirty="0"/>
           </a:p>
         </p:txBody>
       </p:sp>
@@ -4258,7 +4239,7 @@
           <a:lstStyle/>
           <a:p>
             <a:r>
-              <a:rPr lang="en-US" altLang="ko-KR" dirty="0" smtClean="0"/>
+              <a:rPr lang="en-US" altLang="ko-KR" dirty="0"/>
               <a:t>-</a:t>
             </a:r>
             <a:endParaRPr lang="ko-KR" altLang="en-US" dirty="0"/>
@@ -4288,14 +4269,13 @@
           <a:lstStyle/>
           <a:p>
             <a:r>
-              <a:rPr lang="en-US" altLang="ko-KR" dirty="0" smtClean="0"/>
+              <a:rPr lang="en-US" altLang="ko-KR" dirty="0"/>
               <a:t>&gt; </a:t>
             </a:r>
             <a:r>
-              <a:rPr lang="ko-KR" altLang="en-US" dirty="0" smtClean="0"/>
+              <a:rPr lang="ko-KR" altLang="en-US" dirty="0"/>
               <a:t>반지름</a:t>
             </a:r>
-            <a:endParaRPr lang="ko-KR" altLang="en-US" dirty="0"/>
           </a:p>
         </p:txBody>
       </p:sp>
@@ -4322,15 +4302,15 @@
           <a:lstStyle/>
           <a:p>
             <a:r>
-              <a:rPr lang="ko-KR" altLang="en-US" dirty="0" err="1" smtClean="0"/>
+              <a:rPr lang="ko-KR" altLang="en-US" dirty="0" err="1"/>
               <a:t>중심사이의</a:t>
             </a:r>
             <a:r>
-              <a:rPr lang="ko-KR" altLang="en-US" dirty="0" smtClean="0"/>
+              <a:rPr lang="ko-KR" altLang="en-US" dirty="0"/>
               <a:t> 거리 </a:t>
             </a:r>
             <a:r>
-              <a:rPr lang="en-US" altLang="ko-KR" dirty="0" smtClean="0"/>
+              <a:rPr lang="en-US" altLang="ko-KR" dirty="0"/>
               <a:t>(y)</a:t>
             </a:r>
             <a:endParaRPr lang="ko-KR" altLang="en-US" dirty="0"/>
@@ -4360,22 +4340,17 @@
           <a:lstStyle/>
           <a:p>
             <a:r>
-              <a:rPr lang="ko-KR" altLang="en-US" dirty="0" smtClean="0"/>
+              <a:rPr lang="ko-KR" altLang="en-US" dirty="0"/>
               <a:t>사각형의 </a:t>
             </a:r>
             <a:r>
               <a:rPr lang="ko-KR" altLang="en-US" dirty="0" err="1"/>
-              <a:t>세</a:t>
-            </a:r>
-            <a:r>
-              <a:rPr lang="ko-KR" altLang="en-US" dirty="0" err="1" smtClean="0"/>
-              <a:t>로길이</a:t>
-            </a:r>
-            <a:r>
-              <a:rPr lang="ko-KR" altLang="en-US" dirty="0" smtClean="0"/>
+              <a:t>세로길이</a:t>
+            </a:r>
+            <a:r>
+              <a:rPr lang="ko-KR" altLang="en-US" dirty="0"/>
               <a:t> 절반</a:t>
             </a:r>
-            <a:endParaRPr lang="ko-KR" altLang="en-US" dirty="0"/>
           </a:p>
         </p:txBody>
       </p:sp>
@@ -4476,7 +4451,7 @@
           <a:lstStyle/>
           <a:p>
             <a:r>
-              <a:rPr lang="en-US" altLang="ko-KR" dirty="0" smtClean="0"/>
+              <a:rPr lang="en-US" altLang="ko-KR" dirty="0"/>
               <a:t>-</a:t>
             </a:r>
             <a:endParaRPr lang="ko-KR" altLang="en-US" dirty="0"/>
@@ -4506,7 +4481,7 @@
           <a:lstStyle/>
           <a:p>
             <a:r>
-              <a:rPr lang="en-US" altLang="ko-KR" dirty="0" smtClean="0"/>
+              <a:rPr lang="en-US" altLang="ko-KR" dirty="0"/>
               <a:t>&lt;= 0</a:t>
             </a:r>
             <a:endParaRPr lang="ko-KR" altLang="en-US" dirty="0"/>
@@ -4536,22 +4511,21 @@
           <a:lstStyle/>
           <a:p>
             <a:r>
-              <a:rPr lang="ko-KR" altLang="en-US" dirty="0" err="1" smtClean="0"/>
+              <a:rPr lang="ko-KR" altLang="en-US" dirty="0" err="1"/>
               <a:t>중심사이의</a:t>
             </a:r>
             <a:r>
-              <a:rPr lang="ko-KR" altLang="en-US" dirty="0" smtClean="0"/>
+              <a:rPr lang="ko-KR" altLang="en-US" dirty="0"/>
               <a:t> 거리 </a:t>
             </a:r>
             <a:r>
-              <a:rPr lang="en-US" altLang="ko-KR" dirty="0" smtClean="0"/>
+              <a:rPr lang="en-US" altLang="ko-KR" dirty="0"/>
               <a:t>(x)</a:t>
             </a:r>
             <a:r>
-              <a:rPr lang="ko-KR" altLang="en-US" dirty="0" smtClean="0"/>
+              <a:rPr lang="ko-KR" altLang="en-US" dirty="0"/>
               <a:t> </a:t>
             </a:r>
-            <a:endParaRPr lang="ko-KR" altLang="en-US" dirty="0"/>
           </a:p>
         </p:txBody>
       </p:sp>
@@ -4578,18 +4552,17 @@
           <a:lstStyle/>
           <a:p>
             <a:r>
-              <a:rPr lang="ko-KR" altLang="en-US" dirty="0" smtClean="0"/>
+              <a:rPr lang="ko-KR" altLang="en-US" dirty="0"/>
               <a:t>사각형의 </a:t>
             </a:r>
             <a:r>
-              <a:rPr lang="ko-KR" altLang="en-US" dirty="0" err="1" smtClean="0"/>
+              <a:rPr lang="ko-KR" altLang="en-US" dirty="0" err="1"/>
               <a:t>가로길이</a:t>
             </a:r>
             <a:r>
-              <a:rPr lang="ko-KR" altLang="en-US" dirty="0" smtClean="0"/>
+              <a:rPr lang="ko-KR" altLang="en-US" dirty="0"/>
               <a:t> 절반</a:t>
             </a:r>
-            <a:endParaRPr lang="ko-KR" altLang="en-US" dirty="0"/>
           </a:p>
         </p:txBody>
       </p:sp>
@@ -4690,7 +4663,7 @@
           <a:lstStyle/>
           <a:p>
             <a:r>
-              <a:rPr lang="en-US" altLang="ko-KR" dirty="0" smtClean="0"/>
+              <a:rPr lang="en-US" altLang="ko-KR" dirty="0"/>
               <a:t>-</a:t>
             </a:r>
             <a:endParaRPr lang="ko-KR" altLang="en-US" dirty="0"/>
@@ -4720,7 +4693,7 @@
           <a:lstStyle/>
           <a:p>
             <a:r>
-              <a:rPr lang="en-US" altLang="ko-KR" dirty="0" smtClean="0"/>
+              <a:rPr lang="en-US" altLang="ko-KR" dirty="0"/>
               <a:t>&lt;= 0</a:t>
             </a:r>
             <a:endParaRPr lang="ko-KR" altLang="en-US" dirty="0"/>
@@ -4750,15 +4723,15 @@
           <a:lstStyle/>
           <a:p>
             <a:r>
-              <a:rPr lang="ko-KR" altLang="en-US" dirty="0" err="1" smtClean="0"/>
+              <a:rPr lang="ko-KR" altLang="en-US" dirty="0" err="1"/>
               <a:t>중심사이의</a:t>
             </a:r>
             <a:r>
-              <a:rPr lang="ko-KR" altLang="en-US" dirty="0" smtClean="0"/>
+              <a:rPr lang="ko-KR" altLang="en-US" dirty="0"/>
               <a:t> 거리 </a:t>
             </a:r>
             <a:r>
-              <a:rPr lang="en-US" altLang="ko-KR" dirty="0" smtClean="0"/>
+              <a:rPr lang="en-US" altLang="ko-KR" dirty="0"/>
               <a:t>(y)</a:t>
             </a:r>
             <a:endParaRPr lang="ko-KR" altLang="en-US" dirty="0"/>
@@ -4788,22 +4761,17 @@
           <a:lstStyle/>
           <a:p>
             <a:r>
-              <a:rPr lang="ko-KR" altLang="en-US" dirty="0" smtClean="0"/>
+              <a:rPr lang="ko-KR" altLang="en-US" dirty="0"/>
               <a:t>사각형의 </a:t>
             </a:r>
             <a:r>
               <a:rPr lang="ko-KR" altLang="en-US" dirty="0" err="1"/>
-              <a:t>세</a:t>
-            </a:r>
-            <a:r>
-              <a:rPr lang="ko-KR" altLang="en-US" dirty="0" err="1" smtClean="0"/>
-              <a:t>로길이</a:t>
-            </a:r>
-            <a:r>
-              <a:rPr lang="ko-KR" altLang="en-US" dirty="0" smtClean="0"/>
+              <a:t>세로길이</a:t>
+            </a:r>
+            <a:r>
+              <a:rPr lang="ko-KR" altLang="en-US" dirty="0"/>
               <a:t> 절반</a:t>
             </a:r>
-            <a:endParaRPr lang="ko-KR" altLang="en-US" dirty="0"/>
           </a:p>
         </p:txBody>
       </p:sp>
@@ -4844,7 +4812,7 @@
           <a:p>
             <a:pPr algn="ctr"/>
             <a:r>
-              <a:rPr lang="en-US" altLang="ko-KR" dirty="0" smtClean="0"/>
+              <a:rPr lang="en-US" altLang="ko-KR" dirty="0"/>
               <a:t>False</a:t>
             </a:r>
             <a:endParaRPr lang="ko-KR" altLang="en-US" dirty="0"/>
@@ -4888,7 +4856,7 @@
           <a:p>
             <a:pPr algn="ctr"/>
             <a:r>
-              <a:rPr lang="en-US" altLang="ko-KR" dirty="0" smtClean="0"/>
+              <a:rPr lang="en-US" altLang="ko-KR" dirty="0"/>
               <a:t>True</a:t>
             </a:r>
             <a:endParaRPr lang="ko-KR" altLang="en-US" dirty="0"/>
@@ -4943,8 +4911,8 @@
         </p:nvSpPr>
         <p:spPr>
           <a:xfrm>
-            <a:off x="8054341" y="5297206"/>
-            <a:ext cx="6027036" cy="1200329"/>
+            <a:off x="7973324" y="5198865"/>
+            <a:ext cx="6668463" cy="2308324"/>
           </a:xfrm>
           <a:prstGeom prst="rect">
             <a:avLst/>
@@ -4958,46 +4926,118 @@
           <a:lstStyle/>
           <a:p>
             <a:r>
-              <a:rPr lang="ko-KR" altLang="en-US" dirty="0" smtClean="0"/>
-              <a:t>사각형의 꼭지점과 원의 </a:t>
-            </a:r>
-            <a:r>
-              <a:rPr lang="ko-KR" altLang="en-US" dirty="0" err="1" smtClean="0"/>
-              <a:t>중심사이의</a:t>
-            </a:r>
-            <a:r>
-              <a:rPr lang="ko-KR" altLang="en-US" dirty="0" smtClean="0"/>
-              <a:t> 거리 </a:t>
-            </a:r>
-            <a:r>
-              <a:rPr lang="en-US" altLang="ko-KR" dirty="0" smtClean="0"/>
+              <a:rPr lang="en-US" altLang="ko-KR" dirty="0"/>
+              <a:t>2</a:t>
+            </a:r>
+            <a:r>
+              <a:rPr lang="ko-KR" altLang="en-US" dirty="0"/>
+              <a:t>가지 경우 </a:t>
+            </a:r>
+            <a:r>
+              <a:rPr lang="en-US" altLang="ko-KR" dirty="0"/>
+              <a:t>(</a:t>
+            </a:r>
+            <a:r>
+              <a:rPr lang="ko-KR" altLang="en-US" dirty="0"/>
+              <a:t>사각형에 접근하는 방향을 </a:t>
+            </a:r>
+            <a:r>
+              <a:rPr lang="en-US" altLang="ko-KR" dirty="0"/>
+              <a:t>8</a:t>
+            </a:r>
+            <a:r>
+              <a:rPr lang="ko-KR" altLang="en-US" dirty="0"/>
+              <a:t>구역으로 자르면</a:t>
+            </a:r>
+            <a:r>
+              <a:rPr lang="en-US" altLang="ko-KR" dirty="0"/>
+              <a:t>)</a:t>
+            </a:r>
+          </a:p>
+          <a:p>
+            <a:r>
+              <a:rPr lang="en-US" altLang="ko-KR" dirty="0"/>
+              <a:t>1. </a:t>
+            </a:r>
+            <a:r>
+              <a:rPr lang="ko-KR" altLang="en-US" dirty="0"/>
+              <a:t>원이 사각형의 면 방향으로 접촉하는 경우 </a:t>
+            </a:r>
+            <a:r>
+              <a:rPr lang="en-US" altLang="ko-KR" dirty="0"/>
+              <a:t>:</a:t>
+            </a:r>
+          </a:p>
+          <a:p>
+            <a:r>
+              <a:rPr lang="en-US" altLang="ko-KR" dirty="0"/>
+              <a:t> </a:t>
+            </a:r>
+            <a:r>
+              <a:rPr lang="ko-KR" altLang="en-US" dirty="0"/>
+              <a:t>사각형의 각 변의 길이를 원의 지름만큼 늘린 사각형이 있다고 할 때 그 사각형 내부에 원이 존재하면 충돌했다고 할 수 있다</a:t>
+            </a:r>
+            <a:r>
+              <a:rPr lang="en-US" altLang="ko-KR" dirty="0"/>
+              <a:t>.</a:t>
+            </a:r>
+          </a:p>
+          <a:p>
+            <a:endParaRPr lang="en-US" altLang="ko-KR" dirty="0"/>
+          </a:p>
+          <a:p>
+            <a:r>
+              <a:rPr lang="en-US" altLang="ko-KR" dirty="0"/>
+              <a:t>2. </a:t>
+            </a:r>
+            <a:r>
+              <a:rPr lang="ko-KR" altLang="en-US" dirty="0"/>
+              <a:t>원이 사각형의 대각선방향</a:t>
+            </a:r>
+            <a:r>
+              <a:rPr lang="en-US" altLang="ko-KR" dirty="0"/>
+              <a:t>(</a:t>
+            </a:r>
+            <a:r>
+              <a:rPr lang="ko-KR" altLang="en-US" dirty="0"/>
+              <a:t>꼭지점 방향으로</a:t>
+            </a:r>
+            <a:r>
+              <a:rPr lang="en-US" altLang="ko-KR" dirty="0"/>
+              <a:t>) </a:t>
+            </a:r>
+            <a:r>
+              <a:rPr lang="ko-KR" altLang="en-US" dirty="0"/>
+              <a:t>접촉하는 경우 </a:t>
+            </a:r>
+            <a:r>
+              <a:rPr lang="en-US" altLang="ko-KR" dirty="0"/>
+              <a:t>: </a:t>
+            </a:r>
+            <a:r>
+              <a:rPr lang="ko-KR" altLang="en-US" dirty="0"/>
+              <a:t>사각형의 꼭지점과 원의 중심사이의 거리 </a:t>
+            </a:r>
+            <a:r>
+              <a:rPr lang="en-US" altLang="ko-KR" dirty="0"/>
               <a:t>&lt; </a:t>
             </a:r>
             <a:r>
-              <a:rPr lang="ko-KR" altLang="en-US" dirty="0" smtClean="0"/>
+              <a:rPr lang="ko-KR" altLang="en-US" dirty="0"/>
               <a:t>원의 반지름</a:t>
             </a:r>
-            <a:endParaRPr lang="en-US" altLang="ko-KR" dirty="0" smtClean="0"/>
-          </a:p>
-          <a:p>
-            <a:endParaRPr lang="en-US" altLang="ko-KR" dirty="0"/>
-          </a:p>
-          <a:p>
-            <a:r>
-              <a:rPr lang="en-US" altLang="ko-KR" dirty="0" smtClean="0"/>
+            <a:r>
+              <a:rPr lang="en-US" altLang="ko-KR" dirty="0"/>
               <a:t> =&gt; </a:t>
             </a:r>
             <a:r>
-              <a:rPr lang="ko-KR" altLang="en-US" dirty="0" smtClean="0"/>
+              <a:rPr lang="ko-KR" altLang="en-US" dirty="0"/>
               <a:t>충돌됨</a:t>
             </a:r>
             <a:r>
-              <a:rPr lang="en-US" altLang="ko-KR" dirty="0" smtClean="0"/>
+              <a:rPr lang="en-US" altLang="ko-KR" dirty="0"/>
               <a:t>.</a:t>
             </a:r>
-            <a:endParaRPr lang="en-US" altLang="ko-KR" dirty="0"/>
-          </a:p>
-          <a:p>
             <a:endParaRPr lang="ko-KR" altLang="en-US" dirty="0"/>
           </a:p>
         </p:txBody>
@@ -5039,7 +5079,7 @@
           <a:p>
             <a:pPr algn="ctr"/>
             <a:r>
-              <a:rPr lang="en-US" altLang="ko-KR" dirty="0" smtClean="0"/>
+              <a:rPr lang="en-US" altLang="ko-KR" dirty="0"/>
               <a:t>True</a:t>
             </a:r>
             <a:endParaRPr lang="ko-KR" altLang="en-US" dirty="0"/>
